--- a/QUIZzz.pptx
+++ b/QUIZzz.pptx
@@ -7,11 +7,12 @@
   <p:sldIdLst>
     <p:sldId id="256" r:id="rId2"/>
     <p:sldId id="257" r:id="rId3"/>
-    <p:sldId id="258" r:id="rId4"/>
-    <p:sldId id="259" r:id="rId5"/>
-    <p:sldId id="260" r:id="rId6"/>
-    <p:sldId id="261" r:id="rId7"/>
-    <p:sldId id="262" r:id="rId8"/>
+    <p:sldId id="262" r:id="rId4"/>
+    <p:sldId id="258" r:id="rId5"/>
+    <p:sldId id="259" r:id="rId6"/>
+    <p:sldId id="260" r:id="rId7"/>
+    <p:sldId id="261" r:id="rId8"/>
+    <p:sldId id="263" r:id="rId9"/>
   </p:sldIdLst>
   <p:sldSz cx="12192000" cy="6858000"/>
   <p:notesSz cx="6858000" cy="9144000"/>
@@ -117,14 +118,18 @@
           <p14:sldIdLst>
             <p14:sldId id="256"/>
             <p14:sldId id="257"/>
+            <p14:sldId id="262"/>
             <p14:sldId id="258"/>
             <p14:sldId id="259"/>
             <p14:sldId id="260"/>
             <p14:sldId id="261"/>
-            <p14:sldId id="262"/>
+            <p14:sldId id="263"/>
           </p14:sldIdLst>
         </p14:section>
       </p14:sectionLst>
+    </p:ext>
+    <p:ext uri="{EFAFB233-063F-42B5-8137-9DF3F51BA10A}">
+      <p15:sldGuideLst xmlns:p15="http://schemas.microsoft.com/office/powerpoint/2012/main"/>
     </p:ext>
   </p:extLst>
 </p:presentation>
@@ -180,7 +185,7 @@
           <a:noFill/>
           <a:extLst>
             <a:ext uri="{909E8E84-426E-40dd-AFC4-6F175D3DCCD1}">
-              <a14:hiddenFill xmlns:a14="http://schemas.microsoft.com/office/drawing/2010/main" xmlns="">
+              <a14:hiddenFill xmlns="" xmlns:a14="http://schemas.microsoft.com/office/drawing/2010/main">
                 <a:solidFill>
                   <a:srgbClr val="FFFFFF"/>
                 </a:solidFill>
@@ -240,7 +245,7 @@
             </a:ln>
             <a:extLst>
               <a:ext uri="{91240B29-F687-4f45-9708-019B960494DF}">
-                <a14:hiddenLine xmlns:a14="http://schemas.microsoft.com/office/drawing/2010/main" xmlns="" w="9525">
+                <a14:hiddenLine xmlns="" xmlns:a14="http://schemas.microsoft.com/office/drawing/2010/main" w="9525">
                   <a:solidFill>
                     <a:srgbClr val="000000"/>
                   </a:solidFill>
@@ -330,7 +335,7 @@
             </a:ln>
             <a:extLst>
               <a:ext uri="{91240B29-F687-4f45-9708-019B960494DF}">
-                <a14:hiddenLine xmlns:a14="http://schemas.microsoft.com/office/drawing/2010/main" xmlns="" w="9525">
+                <a14:hiddenLine xmlns="" xmlns:a14="http://schemas.microsoft.com/office/drawing/2010/main" w="9525">
                   <a:solidFill>
                     <a:srgbClr val="000000"/>
                   </a:solidFill>
@@ -420,7 +425,7 @@
             </a:ln>
             <a:extLst>
               <a:ext uri="{91240B29-F687-4f45-9708-019B960494DF}">
-                <a14:hiddenLine xmlns:a14="http://schemas.microsoft.com/office/drawing/2010/main" xmlns="" w="9525">
+                <a14:hiddenLine xmlns="" xmlns:a14="http://schemas.microsoft.com/office/drawing/2010/main" w="9525">
                   <a:solidFill>
                     <a:srgbClr val="000000"/>
                   </a:solidFill>
@@ -454,7 +459,7 @@
             </a:ln>
             <a:extLst>
               <a:ext uri="{91240B29-F687-4f45-9708-019B960494DF}">
-                <a14:hiddenLine xmlns:a14="http://schemas.microsoft.com/office/drawing/2010/main" xmlns="" w="9525">
+                <a14:hiddenLine xmlns="" xmlns:a14="http://schemas.microsoft.com/office/drawing/2010/main" w="9525">
                   <a:solidFill>
                     <a:srgbClr val="000000"/>
                   </a:solidFill>
@@ -544,7 +549,7 @@
             </a:ln>
             <a:extLst>
               <a:ext uri="{91240B29-F687-4f45-9708-019B960494DF}">
-                <a14:hiddenLine xmlns:a14="http://schemas.microsoft.com/office/drawing/2010/main" xmlns="" w="9525">
+                <a14:hiddenLine xmlns="" xmlns:a14="http://schemas.microsoft.com/office/drawing/2010/main" w="9525">
                   <a:solidFill>
                     <a:srgbClr val="000000"/>
                   </a:solidFill>
@@ -606,7 +611,7 @@
             </a:ln>
             <a:extLst>
               <a:ext uri="{91240B29-F687-4f45-9708-019B960494DF}">
-                <a14:hiddenLine xmlns:a14="http://schemas.microsoft.com/office/drawing/2010/main" xmlns="" w="9525">
+                <a14:hiddenLine xmlns="" xmlns:a14="http://schemas.microsoft.com/office/drawing/2010/main" w="9525">
                   <a:solidFill>
                     <a:srgbClr val="000000"/>
                   </a:solidFill>
@@ -668,7 +673,7 @@
             </a:ln>
             <a:extLst>
               <a:ext uri="{91240B29-F687-4f45-9708-019B960494DF}">
-                <a14:hiddenLine xmlns:a14="http://schemas.microsoft.com/office/drawing/2010/main" xmlns="" w="9525">
+                <a14:hiddenLine xmlns="" xmlns:a14="http://schemas.microsoft.com/office/drawing/2010/main" w="9525">
                   <a:solidFill>
                     <a:srgbClr val="000000"/>
                   </a:solidFill>
@@ -758,7 +763,7 @@
             </a:ln>
             <a:extLst>
               <a:ext uri="{91240B29-F687-4f45-9708-019B960494DF}">
-                <a14:hiddenLine xmlns:a14="http://schemas.microsoft.com/office/drawing/2010/main" xmlns="" w="9525">
+                <a14:hiddenLine xmlns="" xmlns:a14="http://schemas.microsoft.com/office/drawing/2010/main" w="9525">
                   <a:solidFill>
                     <a:srgbClr val="000000"/>
                   </a:solidFill>
@@ -820,7 +825,7 @@
             </a:ln>
             <a:extLst>
               <a:ext uri="{91240B29-F687-4f45-9708-019B960494DF}">
-                <a14:hiddenLine xmlns:a14="http://schemas.microsoft.com/office/drawing/2010/main" xmlns="" w="9525">
+                <a14:hiddenLine xmlns="" xmlns:a14="http://schemas.microsoft.com/office/drawing/2010/main" w="9525">
                   <a:solidFill>
                     <a:srgbClr val="000000"/>
                   </a:solidFill>
@@ -882,7 +887,7 @@
             </a:ln>
             <a:extLst>
               <a:ext uri="{91240B29-F687-4f45-9708-019B960494DF}">
-                <a14:hiddenLine xmlns:a14="http://schemas.microsoft.com/office/drawing/2010/main" xmlns="" w="9525">
+                <a14:hiddenLine xmlns="" xmlns:a14="http://schemas.microsoft.com/office/drawing/2010/main" w="9525">
                   <a:solidFill>
                     <a:srgbClr val="000000"/>
                   </a:solidFill>
@@ -972,7 +977,7 @@
             </a:ln>
             <a:extLst>
               <a:ext uri="{91240B29-F687-4f45-9708-019B960494DF}">
-                <a14:hiddenLine xmlns:a14="http://schemas.microsoft.com/office/drawing/2010/main" xmlns="" w="9525">
+                <a14:hiddenLine xmlns="" xmlns:a14="http://schemas.microsoft.com/office/drawing/2010/main" w="9525">
                   <a:solidFill>
                     <a:srgbClr val="000000"/>
                   </a:solidFill>
@@ -1062,7 +1067,7 @@
             </a:ln>
             <a:extLst>
               <a:ext uri="{91240B29-F687-4f45-9708-019B960494DF}">
-                <a14:hiddenLine xmlns:a14="http://schemas.microsoft.com/office/drawing/2010/main" xmlns="" w="9525">
+                <a14:hiddenLine xmlns="" xmlns:a14="http://schemas.microsoft.com/office/drawing/2010/main" w="9525">
                   <a:solidFill>
                     <a:srgbClr val="000000"/>
                   </a:solidFill>
@@ -1124,7 +1129,7 @@
             </a:ln>
             <a:extLst>
               <a:ext uri="{91240B29-F687-4f45-9708-019B960494DF}">
-                <a14:hiddenLine xmlns:a14="http://schemas.microsoft.com/office/drawing/2010/main" xmlns="" w="9525">
+                <a14:hiddenLine xmlns="" xmlns:a14="http://schemas.microsoft.com/office/drawing/2010/main" w="9525">
                   <a:solidFill>
                     <a:srgbClr val="000000"/>
                   </a:solidFill>
@@ -1234,7 +1239,7 @@
             </a:ln>
             <a:extLst>
               <a:ext uri="{91240B29-F687-4f45-9708-019B960494DF}">
-                <a14:hiddenLine xmlns:a14="http://schemas.microsoft.com/office/drawing/2010/main" xmlns="" w="9525">
+                <a14:hiddenLine xmlns="" xmlns:a14="http://schemas.microsoft.com/office/drawing/2010/main" w="9525">
                   <a:solidFill>
                     <a:srgbClr val="000000"/>
                   </a:solidFill>
@@ -1296,7 +1301,7 @@
             </a:ln>
             <a:extLst>
               <a:ext uri="{91240B29-F687-4f45-9708-019B960494DF}">
-                <a14:hiddenLine xmlns:a14="http://schemas.microsoft.com/office/drawing/2010/main" xmlns="" w="9525">
+                <a14:hiddenLine xmlns="" xmlns:a14="http://schemas.microsoft.com/office/drawing/2010/main" w="9525">
                   <a:solidFill>
                     <a:srgbClr val="000000"/>
                   </a:solidFill>
@@ -1386,7 +1391,7 @@
             </a:ln>
             <a:extLst>
               <a:ext uri="{91240B29-F687-4f45-9708-019B960494DF}">
-                <a14:hiddenLine xmlns:a14="http://schemas.microsoft.com/office/drawing/2010/main" xmlns="" w="9525">
+                <a14:hiddenLine xmlns="" xmlns:a14="http://schemas.microsoft.com/office/drawing/2010/main" w="9525">
                   <a:solidFill>
                     <a:srgbClr val="000000"/>
                   </a:solidFill>
@@ -1476,7 +1481,7 @@
             </a:ln>
             <a:extLst>
               <a:ext uri="{91240B29-F687-4f45-9708-019B960494DF}">
-                <a14:hiddenLine xmlns:a14="http://schemas.microsoft.com/office/drawing/2010/main" xmlns="" w="9525">
+                <a14:hiddenLine xmlns="" xmlns:a14="http://schemas.microsoft.com/office/drawing/2010/main" w="9525">
                   <a:solidFill>
                     <a:srgbClr val="000000"/>
                   </a:solidFill>
@@ -1538,7 +1543,7 @@
             </a:ln>
             <a:extLst>
               <a:ext uri="{91240B29-F687-4f45-9708-019B960494DF}">
-                <a14:hiddenLine xmlns:a14="http://schemas.microsoft.com/office/drawing/2010/main" xmlns="" w="9525">
+                <a14:hiddenLine xmlns="" xmlns:a14="http://schemas.microsoft.com/office/drawing/2010/main" w="9525">
                   <a:solidFill>
                     <a:srgbClr val="000000"/>
                   </a:solidFill>
@@ -1628,7 +1633,7 @@
             </a:ln>
             <a:extLst>
               <a:ext uri="{91240B29-F687-4f45-9708-019B960494DF}">
-                <a14:hiddenLine xmlns:a14="http://schemas.microsoft.com/office/drawing/2010/main" xmlns="" w="9525">
+                <a14:hiddenLine xmlns="" xmlns:a14="http://schemas.microsoft.com/office/drawing/2010/main" w="9525">
                   <a:solidFill>
                     <a:srgbClr val="000000"/>
                   </a:solidFill>
@@ -1718,7 +1723,7 @@
             </a:ln>
             <a:extLst>
               <a:ext uri="{91240B29-F687-4f45-9708-019B960494DF}">
-                <a14:hiddenLine xmlns:a14="http://schemas.microsoft.com/office/drawing/2010/main" xmlns="" w="9525">
+                <a14:hiddenLine xmlns="" xmlns:a14="http://schemas.microsoft.com/office/drawing/2010/main" w="9525">
                   <a:solidFill>
                     <a:srgbClr val="000000"/>
                   </a:solidFill>
@@ -1774,7 +1779,7 @@
             </a:ln>
             <a:extLst>
               <a:ext uri="{91240B29-F687-4f45-9708-019B960494DF}">
-                <a14:hiddenLine xmlns:a14="http://schemas.microsoft.com/office/drawing/2010/main" xmlns="" w="9525">
+                <a14:hiddenLine xmlns="" xmlns:a14="http://schemas.microsoft.com/office/drawing/2010/main" w="9525">
                   <a:solidFill>
                     <a:srgbClr val="000000"/>
                   </a:solidFill>
@@ -1864,7 +1869,7 @@
             </a:ln>
             <a:extLst>
               <a:ext uri="{91240B29-F687-4f45-9708-019B960494DF}">
-                <a14:hiddenLine xmlns:a14="http://schemas.microsoft.com/office/drawing/2010/main" xmlns="" w="9525">
+                <a14:hiddenLine xmlns="" xmlns:a14="http://schemas.microsoft.com/office/drawing/2010/main" w="9525">
                   <a:solidFill>
                     <a:srgbClr val="000000"/>
                   </a:solidFill>
@@ -1920,7 +1925,7 @@
             </a:ln>
             <a:extLst>
               <a:ext uri="{91240B29-F687-4f45-9708-019B960494DF}">
-                <a14:hiddenLine xmlns:a14="http://schemas.microsoft.com/office/drawing/2010/main" xmlns="" w="9525">
+                <a14:hiddenLine xmlns="" xmlns:a14="http://schemas.microsoft.com/office/drawing/2010/main" w="9525">
                   <a:solidFill>
                     <a:srgbClr val="000000"/>
                   </a:solidFill>
@@ -2010,7 +2015,7 @@
             </a:ln>
             <a:extLst>
               <a:ext uri="{91240B29-F687-4f45-9708-019B960494DF}">
-                <a14:hiddenLine xmlns:a14="http://schemas.microsoft.com/office/drawing/2010/main" xmlns="" w="9525">
+                <a14:hiddenLine xmlns="" xmlns:a14="http://schemas.microsoft.com/office/drawing/2010/main" w="9525">
                   <a:solidFill>
                     <a:srgbClr val="000000"/>
                   </a:solidFill>
@@ -2078,7 +2083,7 @@
             </a:ln>
             <a:extLst>
               <a:ext uri="{91240B29-F687-4f45-9708-019B960494DF}">
-                <a14:hiddenLine xmlns:a14="http://schemas.microsoft.com/office/drawing/2010/main" xmlns="" w="9525">
+                <a14:hiddenLine xmlns="" xmlns:a14="http://schemas.microsoft.com/office/drawing/2010/main" w="9525">
                   <a:solidFill>
                     <a:srgbClr val="000000"/>
                   </a:solidFill>
@@ -2168,7 +2173,7 @@
             </a:ln>
             <a:extLst>
               <a:ext uri="{91240B29-F687-4f45-9708-019B960494DF}">
-                <a14:hiddenLine xmlns:a14="http://schemas.microsoft.com/office/drawing/2010/main" xmlns="" w="9525">
+                <a14:hiddenLine xmlns="" xmlns:a14="http://schemas.microsoft.com/office/drawing/2010/main" w="9525">
                   <a:solidFill>
                     <a:srgbClr val="000000"/>
                   </a:solidFill>
@@ -2236,7 +2241,7 @@
             </a:ln>
             <a:extLst>
               <a:ext uri="{91240B29-F687-4f45-9708-019B960494DF}">
-                <a14:hiddenLine xmlns:a14="http://schemas.microsoft.com/office/drawing/2010/main" xmlns="" w="9525">
+                <a14:hiddenLine xmlns="" xmlns:a14="http://schemas.microsoft.com/office/drawing/2010/main" w="9525">
                   <a:solidFill>
                     <a:srgbClr val="000000"/>
                   </a:solidFill>
@@ -2326,7 +2331,7 @@
             </a:ln>
             <a:extLst>
               <a:ext uri="{91240B29-F687-4f45-9708-019B960494DF}">
-                <a14:hiddenLine xmlns:a14="http://schemas.microsoft.com/office/drawing/2010/main" xmlns="" w="9525">
+                <a14:hiddenLine xmlns="" xmlns:a14="http://schemas.microsoft.com/office/drawing/2010/main" w="9525">
                   <a:solidFill>
                     <a:srgbClr val="000000"/>
                   </a:solidFill>
@@ -2360,7 +2365,7 @@
             </a:ln>
             <a:extLst>
               <a:ext uri="{91240B29-F687-4f45-9708-019B960494DF}">
-                <a14:hiddenLine xmlns:a14="http://schemas.microsoft.com/office/drawing/2010/main" xmlns="" w="9525">
+                <a14:hiddenLine xmlns="" xmlns:a14="http://schemas.microsoft.com/office/drawing/2010/main" w="9525">
                   <a:solidFill>
                     <a:srgbClr val="000000"/>
                   </a:solidFill>
@@ -2450,7 +2455,7 @@
             </a:ln>
             <a:extLst>
               <a:ext uri="{91240B29-F687-4f45-9708-019B960494DF}">
-                <a14:hiddenLine xmlns:a14="http://schemas.microsoft.com/office/drawing/2010/main" xmlns="" w="9525">
+                <a14:hiddenLine xmlns="" xmlns:a14="http://schemas.microsoft.com/office/drawing/2010/main" w="9525">
                   <a:solidFill>
                     <a:srgbClr val="000000"/>
                   </a:solidFill>
@@ -2512,7 +2517,7 @@
             </a:ln>
             <a:extLst>
               <a:ext uri="{91240B29-F687-4f45-9708-019B960494DF}">
-                <a14:hiddenLine xmlns:a14="http://schemas.microsoft.com/office/drawing/2010/main" xmlns="" w="9525">
+                <a14:hiddenLine xmlns="" xmlns:a14="http://schemas.microsoft.com/office/drawing/2010/main" w="9525">
                   <a:solidFill>
                     <a:srgbClr val="000000"/>
                   </a:solidFill>
@@ -2574,7 +2579,7 @@
             </a:ln>
             <a:extLst>
               <a:ext uri="{91240B29-F687-4f45-9708-019B960494DF}">
-                <a14:hiddenLine xmlns:a14="http://schemas.microsoft.com/office/drawing/2010/main" xmlns="" w="9525">
+                <a14:hiddenLine xmlns="" xmlns:a14="http://schemas.microsoft.com/office/drawing/2010/main" w="9525">
                   <a:solidFill>
                     <a:srgbClr val="000000"/>
                   </a:solidFill>
@@ -2664,7 +2669,7 @@
             </a:ln>
             <a:extLst>
               <a:ext uri="{91240B29-F687-4f45-9708-019B960494DF}">
-                <a14:hiddenLine xmlns:a14="http://schemas.microsoft.com/office/drawing/2010/main" xmlns="" w="9525">
+                <a14:hiddenLine xmlns="" xmlns:a14="http://schemas.microsoft.com/office/drawing/2010/main" w="9525">
                   <a:solidFill>
                     <a:srgbClr val="000000"/>
                   </a:solidFill>
@@ -2732,7 +2737,7 @@
             </a:ln>
             <a:extLst>
               <a:ext uri="{91240B29-F687-4f45-9708-019B960494DF}">
-                <a14:hiddenLine xmlns:a14="http://schemas.microsoft.com/office/drawing/2010/main" xmlns="" w="9525">
+                <a14:hiddenLine xmlns="" xmlns:a14="http://schemas.microsoft.com/office/drawing/2010/main" w="9525">
                   <a:solidFill>
                     <a:srgbClr val="000000"/>
                   </a:solidFill>
@@ -2794,7 +2799,7 @@
             </a:ln>
             <a:extLst>
               <a:ext uri="{91240B29-F687-4f45-9708-019B960494DF}">
-                <a14:hiddenLine xmlns:a14="http://schemas.microsoft.com/office/drawing/2010/main" xmlns="" w="9525">
+                <a14:hiddenLine xmlns="" xmlns:a14="http://schemas.microsoft.com/office/drawing/2010/main" w="9525">
                   <a:solidFill>
                     <a:srgbClr val="000000"/>
                   </a:solidFill>
@@ -2884,7 +2889,7 @@
             </a:ln>
             <a:extLst>
               <a:ext uri="{91240B29-F687-4f45-9708-019B960494DF}">
-                <a14:hiddenLine xmlns:a14="http://schemas.microsoft.com/office/drawing/2010/main" xmlns="" w="9525">
+                <a14:hiddenLine xmlns="" xmlns:a14="http://schemas.microsoft.com/office/drawing/2010/main" w="9525">
                   <a:solidFill>
                     <a:srgbClr val="000000"/>
                   </a:solidFill>
@@ -2946,7 +2951,7 @@
             </a:ln>
             <a:extLst>
               <a:ext uri="{91240B29-F687-4f45-9708-019B960494DF}">
-                <a14:hiddenLine xmlns:a14="http://schemas.microsoft.com/office/drawing/2010/main" xmlns="" w="9525">
+                <a14:hiddenLine xmlns="" xmlns:a14="http://schemas.microsoft.com/office/drawing/2010/main" w="9525">
                   <a:solidFill>
                     <a:srgbClr val="000000"/>
                   </a:solidFill>
@@ -3036,7 +3041,7 @@
             </a:ln>
             <a:extLst>
               <a:ext uri="{91240B29-F687-4f45-9708-019B960494DF}">
-                <a14:hiddenLine xmlns:a14="http://schemas.microsoft.com/office/drawing/2010/main" xmlns="" w="9525">
+                <a14:hiddenLine xmlns="" xmlns:a14="http://schemas.microsoft.com/office/drawing/2010/main" w="9525">
                   <a:solidFill>
                     <a:srgbClr val="000000"/>
                   </a:solidFill>
@@ -3098,7 +3103,7 @@
             </a:ln>
             <a:extLst>
               <a:ext uri="{91240B29-F687-4f45-9708-019B960494DF}">
-                <a14:hiddenLine xmlns:a14="http://schemas.microsoft.com/office/drawing/2010/main" xmlns="" w="9525">
+                <a14:hiddenLine xmlns="" xmlns:a14="http://schemas.microsoft.com/office/drawing/2010/main" w="9525">
                   <a:solidFill>
                     <a:srgbClr val="000000"/>
                   </a:solidFill>
@@ -3188,7 +3193,7 @@
             </a:ln>
             <a:extLst>
               <a:ext uri="{91240B29-F687-4f45-9708-019B960494DF}">
-                <a14:hiddenLine xmlns:a14="http://schemas.microsoft.com/office/drawing/2010/main" xmlns="" w="9525">
+                <a14:hiddenLine xmlns="" xmlns:a14="http://schemas.microsoft.com/office/drawing/2010/main" w="9525">
                   <a:solidFill>
                     <a:srgbClr val="000000"/>
                   </a:solidFill>
@@ -3222,7 +3227,7 @@
             </a:ln>
             <a:extLst>
               <a:ext uri="{91240B29-F687-4f45-9708-019B960494DF}">
-                <a14:hiddenLine xmlns:a14="http://schemas.microsoft.com/office/drawing/2010/main" xmlns="" w="9525">
+                <a14:hiddenLine xmlns="" xmlns:a14="http://schemas.microsoft.com/office/drawing/2010/main" w="9525">
                   <a:solidFill>
                     <a:srgbClr val="000000"/>
                   </a:solidFill>
@@ -3287,7 +3292,7 @@
             </a:ln>
             <a:extLst>
               <a:ext uri="{91240B29-F687-4f45-9708-019B960494DF}">
-                <a14:hiddenLine xmlns:a14="http://schemas.microsoft.com/office/drawing/2010/main" xmlns="" w="9525">
+                <a14:hiddenLine xmlns="" xmlns:a14="http://schemas.microsoft.com/office/drawing/2010/main" w="9525">
                   <a:solidFill>
                     <a:srgbClr val="000000"/>
                   </a:solidFill>
@@ -3377,7 +3382,7 @@
             </a:ln>
             <a:extLst>
               <a:ext uri="{91240B29-F687-4f45-9708-019B960494DF}">
-                <a14:hiddenLine xmlns:a14="http://schemas.microsoft.com/office/drawing/2010/main" xmlns="" w="9525">
+                <a14:hiddenLine xmlns="" xmlns:a14="http://schemas.microsoft.com/office/drawing/2010/main" w="9525">
                   <a:solidFill>
                     <a:srgbClr val="000000"/>
                   </a:solidFill>
@@ -3439,7 +3444,7 @@
             </a:ln>
             <a:extLst>
               <a:ext uri="{91240B29-F687-4f45-9708-019B960494DF}">
-                <a14:hiddenLine xmlns:a14="http://schemas.microsoft.com/office/drawing/2010/main" xmlns="" w="9525">
+                <a14:hiddenLine xmlns="" xmlns:a14="http://schemas.microsoft.com/office/drawing/2010/main" w="9525">
                   <a:solidFill>
                     <a:srgbClr val="000000"/>
                   </a:solidFill>
@@ -3529,7 +3534,7 @@
             </a:ln>
             <a:extLst>
               <a:ext uri="{91240B29-F687-4f45-9708-019B960494DF}">
-                <a14:hiddenLine xmlns:a14="http://schemas.microsoft.com/office/drawing/2010/main" xmlns="" w="9525">
+                <a14:hiddenLine xmlns="" xmlns:a14="http://schemas.microsoft.com/office/drawing/2010/main" w="9525">
                   <a:solidFill>
                     <a:srgbClr val="000000"/>
                   </a:solidFill>
@@ -3619,7 +3624,7 @@
             </a:ln>
             <a:extLst>
               <a:ext uri="{91240B29-F687-4f45-9708-019B960494DF}">
-                <a14:hiddenLine xmlns:a14="http://schemas.microsoft.com/office/drawing/2010/main" xmlns="" w="9525">
+                <a14:hiddenLine xmlns="" xmlns:a14="http://schemas.microsoft.com/office/drawing/2010/main" w="9525">
                   <a:solidFill>
                     <a:srgbClr val="000000"/>
                   </a:solidFill>
@@ -3684,7 +3689,7 @@
             </a:ln>
             <a:extLst>
               <a:ext uri="{91240B29-F687-4f45-9708-019B960494DF}">
-                <a14:hiddenLine xmlns:a14="http://schemas.microsoft.com/office/drawing/2010/main" xmlns="" w="9525">
+                <a14:hiddenLine xmlns="" xmlns:a14="http://schemas.microsoft.com/office/drawing/2010/main" w="9525">
                   <a:solidFill>
                     <a:srgbClr val="000000"/>
                   </a:solidFill>
@@ -3746,7 +3751,7 @@
             </a:ln>
             <a:extLst>
               <a:ext uri="{91240B29-F687-4f45-9708-019B960494DF}">
-                <a14:hiddenLine xmlns:a14="http://schemas.microsoft.com/office/drawing/2010/main" xmlns="" w="9525">
+                <a14:hiddenLine xmlns="" xmlns:a14="http://schemas.microsoft.com/office/drawing/2010/main" w="9525">
                   <a:solidFill>
                     <a:srgbClr val="000000"/>
                   </a:solidFill>
@@ -3836,7 +3841,7 @@
             </a:ln>
             <a:extLst>
               <a:ext uri="{91240B29-F687-4f45-9708-019B960494DF}">
-                <a14:hiddenLine xmlns:a14="http://schemas.microsoft.com/office/drawing/2010/main" xmlns="" w="9525">
+                <a14:hiddenLine xmlns="" xmlns:a14="http://schemas.microsoft.com/office/drawing/2010/main" w="9525">
                   <a:solidFill>
                     <a:srgbClr val="000000"/>
                   </a:solidFill>
@@ -3926,7 +3931,7 @@
             </a:ln>
             <a:extLst>
               <a:ext uri="{91240B29-F687-4f45-9708-019B960494DF}">
-                <a14:hiddenLine xmlns:a14="http://schemas.microsoft.com/office/drawing/2010/main" xmlns="" w="9525">
+                <a14:hiddenLine xmlns="" xmlns:a14="http://schemas.microsoft.com/office/drawing/2010/main" w="9525">
                   <a:solidFill>
                     <a:srgbClr val="000000"/>
                   </a:solidFill>
@@ -3988,7 +3993,7 @@
             </a:ln>
             <a:extLst>
               <a:ext uri="{91240B29-F687-4f45-9708-019B960494DF}">
-                <a14:hiddenLine xmlns:a14="http://schemas.microsoft.com/office/drawing/2010/main" xmlns="" w="9525">
+                <a14:hiddenLine xmlns="" xmlns:a14="http://schemas.microsoft.com/office/drawing/2010/main" w="9525">
                   <a:solidFill>
                     <a:srgbClr val="000000"/>
                   </a:solidFill>
@@ -4108,7 +4113,7 @@
             </a:ln>
             <a:extLst>
               <a:ext uri="{91240B29-F687-4f45-9708-019B960494DF}">
-                <a14:hiddenLine xmlns:a14="http://schemas.microsoft.com/office/drawing/2010/main" xmlns="" w="9525">
+                <a14:hiddenLine xmlns="" xmlns:a14="http://schemas.microsoft.com/office/drawing/2010/main" w="9525">
                   <a:solidFill>
                     <a:srgbClr val="000000"/>
                   </a:solidFill>
@@ -4176,7 +4181,7 @@
             </a:ln>
             <a:extLst>
               <a:ext uri="{91240B29-F687-4f45-9708-019B960494DF}">
-                <a14:hiddenLine xmlns:a14="http://schemas.microsoft.com/office/drawing/2010/main" xmlns="" w="9525">
+                <a14:hiddenLine xmlns="" xmlns:a14="http://schemas.microsoft.com/office/drawing/2010/main" w="9525">
                   <a:solidFill>
                     <a:srgbClr val="000000"/>
                   </a:solidFill>
@@ -4266,7 +4271,7 @@
             </a:ln>
             <a:extLst>
               <a:ext uri="{91240B29-F687-4f45-9708-019B960494DF}">
-                <a14:hiddenLine xmlns:a14="http://schemas.microsoft.com/office/drawing/2010/main" xmlns="" w="9525">
+                <a14:hiddenLine xmlns="" xmlns:a14="http://schemas.microsoft.com/office/drawing/2010/main" w="9525">
                   <a:solidFill>
                     <a:srgbClr val="000000"/>
                   </a:solidFill>
@@ -4406,7 +4411,7 @@
           <a:p>
             <a:fld id="{48A87A34-81AB-432B-8DAE-1953F412C126}" type="datetimeFigureOut">
               <a:rPr lang="en-US" dirty="0"/>
-              <a:t>6/6/2023</a:t>
+              <a:t>6/7/2023</a:t>
             </a:fld>
             <a:endParaRPr lang="en-US" dirty="0"/>
           </a:p>
@@ -4668,7 +4673,7 @@
           <a:p>
             <a:fld id="{48A87A34-81AB-432B-8DAE-1953F412C126}" type="datetimeFigureOut">
               <a:rPr lang="en-US" dirty="0"/>
-              <a:t>6/6/2023</a:t>
+              <a:t>6/7/2023</a:t>
             </a:fld>
             <a:endParaRPr lang="en-US" dirty="0"/>
           </a:p>
@@ -4859,7 +4864,7 @@
           <a:p>
             <a:fld id="{48A87A34-81AB-432B-8DAE-1953F412C126}" type="datetimeFigureOut">
               <a:rPr lang="en-US" dirty="0"/>
-              <a:t>6/6/2023</a:t>
+              <a:t>6/7/2023</a:t>
             </a:fld>
             <a:endParaRPr lang="en-US" dirty="0"/>
           </a:p>
@@ -5117,7 +5122,7 @@
           <a:p>
             <a:fld id="{48A87A34-81AB-432B-8DAE-1953F412C126}" type="datetimeFigureOut">
               <a:rPr lang="en-US" dirty="0"/>
-              <a:t>6/6/2023</a:t>
+              <a:t>6/7/2023</a:t>
             </a:fld>
             <a:endParaRPr lang="en-US" dirty="0"/>
           </a:p>
@@ -5546,7 +5551,7 @@
           <a:p>
             <a:fld id="{48A87A34-81AB-432B-8DAE-1953F412C126}" type="datetimeFigureOut">
               <a:rPr lang="en-US" dirty="0"/>
-              <a:t>6/6/2023</a:t>
+              <a:t>6/7/2023</a:t>
             </a:fld>
             <a:endParaRPr lang="en-US" dirty="0"/>
           </a:p>
@@ -6087,7 +6092,7 @@
           <a:p>
             <a:fld id="{48A87A34-81AB-432B-8DAE-1953F412C126}" type="datetimeFigureOut">
               <a:rPr lang="en-US" dirty="0"/>
-              <a:t>6/6/2023</a:t>
+              <a:t>6/7/2023</a:t>
             </a:fld>
             <a:endParaRPr lang="en-US" dirty="0"/>
           </a:p>
@@ -6802,7 +6807,7 @@
           <a:p>
             <a:fld id="{48A87A34-81AB-432B-8DAE-1953F412C126}" type="datetimeFigureOut">
               <a:rPr lang="en-US" dirty="0"/>
-              <a:t>6/6/2023</a:t>
+              <a:t>6/7/2023</a:t>
             </a:fld>
             <a:endParaRPr lang="en-US" dirty="0"/>
           </a:p>
@@ -6967,7 +6972,7 @@
           <a:p>
             <a:fld id="{48A87A34-81AB-432B-8DAE-1953F412C126}" type="datetimeFigureOut">
               <a:rPr lang="en-US" dirty="0"/>
-              <a:t>6/6/2023</a:t>
+              <a:t>6/7/2023</a:t>
             </a:fld>
             <a:endParaRPr lang="en-US" dirty="0"/>
           </a:p>
@@ -7142,7 +7147,7 @@
           <a:p>
             <a:fld id="{48A87A34-81AB-432B-8DAE-1953F412C126}" type="datetimeFigureOut">
               <a:rPr lang="en-US" dirty="0"/>
-              <a:t>6/6/2023</a:t>
+              <a:t>6/7/2023</a:t>
             </a:fld>
             <a:endParaRPr lang="en-US" dirty="0"/>
           </a:p>
@@ -7307,7 +7312,7 @@
           <a:p>
             <a:fld id="{48A87A34-81AB-432B-8DAE-1953F412C126}" type="datetimeFigureOut">
               <a:rPr lang="en-US" dirty="0"/>
-              <a:t>6/6/2023</a:t>
+              <a:t>6/7/2023</a:t>
             </a:fld>
             <a:endParaRPr lang="en-US" dirty="0"/>
           </a:p>
@@ -7552,7 +7557,7 @@
           <a:p>
             <a:fld id="{48A87A34-81AB-432B-8DAE-1953F412C126}" type="datetimeFigureOut">
               <a:rPr lang="en-US" dirty="0"/>
-              <a:t>6/6/2023</a:t>
+              <a:t>6/7/2023</a:t>
             </a:fld>
             <a:endParaRPr lang="en-US" dirty="0"/>
           </a:p>
@@ -7779,7 +7784,7 @@
           <a:p>
             <a:fld id="{48A87A34-81AB-432B-8DAE-1953F412C126}" type="datetimeFigureOut">
               <a:rPr lang="en-US" dirty="0"/>
-              <a:t>6/6/2023</a:t>
+              <a:t>6/7/2023</a:t>
             </a:fld>
             <a:endParaRPr lang="en-US" dirty="0"/>
           </a:p>
@@ -8155,7 +8160,7 @@
           <a:p>
             <a:fld id="{48A87A34-81AB-432B-8DAE-1953F412C126}" type="datetimeFigureOut">
               <a:rPr lang="en-US" dirty="0"/>
-              <a:t>6/6/2023</a:t>
+              <a:t>6/7/2023</a:t>
             </a:fld>
             <a:endParaRPr lang="en-US" dirty="0"/>
           </a:p>
@@ -8268,7 +8273,7 @@
           <a:p>
             <a:fld id="{48A87A34-81AB-432B-8DAE-1953F412C126}" type="datetimeFigureOut">
               <a:rPr lang="en-US" dirty="0"/>
-              <a:t>6/6/2023</a:t>
+              <a:t>6/7/2023</a:t>
             </a:fld>
             <a:endParaRPr lang="en-US" dirty="0"/>
           </a:p>
@@ -8358,7 +8363,7 @@
           <a:p>
             <a:fld id="{48A87A34-81AB-432B-8DAE-1953F412C126}" type="datetimeFigureOut">
               <a:rPr lang="en-US" dirty="0"/>
-              <a:t>6/6/2023</a:t>
+              <a:t>6/7/2023</a:t>
             </a:fld>
             <a:endParaRPr lang="en-US" dirty="0"/>
           </a:p>
@@ -8602,7 +8607,7 @@
           <a:p>
             <a:fld id="{48A87A34-81AB-432B-8DAE-1953F412C126}" type="datetimeFigureOut">
               <a:rPr lang="en-US" dirty="0"/>
-              <a:t>6/6/2023</a:t>
+              <a:t>6/7/2023</a:t>
             </a:fld>
             <a:endParaRPr lang="en-US" dirty="0"/>
           </a:p>
@@ -8877,7 +8882,7 @@
           <a:p>
             <a:fld id="{48A87A34-81AB-432B-8DAE-1953F412C126}" type="datetimeFigureOut">
               <a:rPr lang="en-US" dirty="0"/>
-              <a:t>6/6/2023</a:t>
+              <a:t>6/7/2023</a:t>
             </a:fld>
             <a:endParaRPr lang="en-US" dirty="0"/>
           </a:p>
@@ -8988,7 +8993,7 @@
           <a:noFill/>
           <a:extLst>
             <a:ext uri="{909E8E84-426E-40dd-AFC4-6F175D3DCCD1}">
-              <a14:hiddenFill xmlns:a14="http://schemas.microsoft.com/office/drawing/2010/main" xmlns="">
+              <a14:hiddenFill xmlns="" xmlns:a14="http://schemas.microsoft.com/office/drawing/2010/main">
                 <a:solidFill>
                   <a:srgbClr val="FFFFFF"/>
                 </a:solidFill>
@@ -9062,7 +9067,7 @@
               </a:ln>
               <a:extLst>
                 <a:ext uri="{91240B29-F687-4f45-9708-019B960494DF}">
-                  <a14:hiddenLine xmlns:a14="http://schemas.microsoft.com/office/drawing/2010/main" xmlns="" w="9525">
+                  <a14:hiddenLine xmlns="" xmlns:a14="http://schemas.microsoft.com/office/drawing/2010/main" w="9525">
                     <a:solidFill>
                       <a:srgbClr val="000000"/>
                     </a:solidFill>
@@ -9152,7 +9157,7 @@
               </a:ln>
               <a:extLst>
                 <a:ext uri="{91240B29-F687-4f45-9708-019B960494DF}">
-                  <a14:hiddenLine xmlns:a14="http://schemas.microsoft.com/office/drawing/2010/main" xmlns="" w="9525">
+                  <a14:hiddenLine xmlns="" xmlns:a14="http://schemas.microsoft.com/office/drawing/2010/main" w="9525">
                     <a:solidFill>
                       <a:srgbClr val="000000"/>
                     </a:solidFill>
@@ -9242,7 +9247,7 @@
               </a:ln>
               <a:extLst>
                 <a:ext uri="{91240B29-F687-4f45-9708-019B960494DF}">
-                  <a14:hiddenLine xmlns:a14="http://schemas.microsoft.com/office/drawing/2010/main" xmlns="" w="9525">
+                  <a14:hiddenLine xmlns="" xmlns:a14="http://schemas.microsoft.com/office/drawing/2010/main" w="9525">
                     <a:solidFill>
                       <a:srgbClr val="000000"/>
                     </a:solidFill>
@@ -9304,7 +9309,7 @@
               </a:ln>
               <a:extLst>
                 <a:ext uri="{91240B29-F687-4f45-9708-019B960494DF}">
-                  <a14:hiddenLine xmlns:a14="http://schemas.microsoft.com/office/drawing/2010/main" xmlns="" w="9525">
+                  <a14:hiddenLine xmlns="" xmlns:a14="http://schemas.microsoft.com/office/drawing/2010/main" w="9525">
                     <a:solidFill>
                       <a:srgbClr val="000000"/>
                     </a:solidFill>
@@ -9394,7 +9399,7 @@
               </a:ln>
               <a:extLst>
                 <a:ext uri="{91240B29-F687-4f45-9708-019B960494DF}">
-                  <a14:hiddenLine xmlns:a14="http://schemas.microsoft.com/office/drawing/2010/main" xmlns="" w="9525">
+                  <a14:hiddenLine xmlns="" xmlns:a14="http://schemas.microsoft.com/office/drawing/2010/main" w="9525">
                     <a:solidFill>
                       <a:srgbClr val="000000"/>
                     </a:solidFill>
@@ -9456,7 +9461,7 @@
               </a:ln>
               <a:extLst>
                 <a:ext uri="{91240B29-F687-4f45-9708-019B960494DF}">
-                  <a14:hiddenLine xmlns:a14="http://schemas.microsoft.com/office/drawing/2010/main" xmlns="" w="9525">
+                  <a14:hiddenLine xmlns="" xmlns:a14="http://schemas.microsoft.com/office/drawing/2010/main" w="9525">
                     <a:solidFill>
                       <a:srgbClr val="000000"/>
                     </a:solidFill>
@@ -9518,7 +9523,7 @@
               </a:ln>
               <a:extLst>
                 <a:ext uri="{91240B29-F687-4f45-9708-019B960494DF}">
-                  <a14:hiddenLine xmlns:a14="http://schemas.microsoft.com/office/drawing/2010/main" xmlns="" w="9525">
+                  <a14:hiddenLine xmlns="" xmlns:a14="http://schemas.microsoft.com/office/drawing/2010/main" w="9525">
                     <a:solidFill>
                       <a:srgbClr val="000000"/>
                     </a:solidFill>
@@ -9608,7 +9613,7 @@
               </a:ln>
               <a:extLst>
                 <a:ext uri="{91240B29-F687-4f45-9708-019B960494DF}">
-                  <a14:hiddenLine xmlns:a14="http://schemas.microsoft.com/office/drawing/2010/main" xmlns="" w="9525">
+                  <a14:hiddenLine xmlns="" xmlns:a14="http://schemas.microsoft.com/office/drawing/2010/main" w="9525">
                     <a:solidFill>
                       <a:srgbClr val="000000"/>
                     </a:solidFill>
@@ -9698,7 +9703,7 @@
               </a:ln>
               <a:extLst>
                 <a:ext uri="{91240B29-F687-4f45-9708-019B960494DF}">
-                  <a14:hiddenLine xmlns:a14="http://schemas.microsoft.com/office/drawing/2010/main" xmlns="" w="9525">
+                  <a14:hiddenLine xmlns="" xmlns:a14="http://schemas.microsoft.com/office/drawing/2010/main" w="9525">
                     <a:solidFill>
                       <a:srgbClr val="000000"/>
                     </a:solidFill>
@@ -9760,7 +9765,7 @@
               </a:ln>
               <a:extLst>
                 <a:ext uri="{91240B29-F687-4f45-9708-019B960494DF}">
-                  <a14:hiddenLine xmlns:a14="http://schemas.microsoft.com/office/drawing/2010/main" xmlns="" w="9525">
+                  <a14:hiddenLine xmlns="" xmlns:a14="http://schemas.microsoft.com/office/drawing/2010/main" w="9525">
                     <a:solidFill>
                       <a:srgbClr val="000000"/>
                     </a:solidFill>
@@ -9870,7 +9875,7 @@
               </a:ln>
               <a:extLst>
                 <a:ext uri="{91240B29-F687-4f45-9708-019B960494DF}">
-                  <a14:hiddenLine xmlns:a14="http://schemas.microsoft.com/office/drawing/2010/main" xmlns="" w="9525">
+                  <a14:hiddenLine xmlns="" xmlns:a14="http://schemas.microsoft.com/office/drawing/2010/main" w="9525">
                     <a:solidFill>
                       <a:srgbClr val="000000"/>
                     </a:solidFill>
@@ -9954,7 +9959,7 @@
               </a:ln>
               <a:extLst>
                 <a:ext uri="{91240B29-F687-4f45-9708-019B960494DF}">
-                  <a14:hiddenLine xmlns:a14="http://schemas.microsoft.com/office/drawing/2010/main" xmlns="" w="9525">
+                  <a14:hiddenLine xmlns="" xmlns:a14="http://schemas.microsoft.com/office/drawing/2010/main" w="9525">
                     <a:solidFill>
                       <a:srgbClr val="000000"/>
                     </a:solidFill>
@@ -10016,7 +10021,7 @@
               </a:ln>
               <a:extLst>
                 <a:ext uri="{91240B29-F687-4f45-9708-019B960494DF}">
-                  <a14:hiddenLine xmlns:a14="http://schemas.microsoft.com/office/drawing/2010/main" xmlns="" w="9525">
+                  <a14:hiddenLine xmlns="" xmlns:a14="http://schemas.microsoft.com/office/drawing/2010/main" w="9525">
                     <a:solidFill>
                       <a:srgbClr val="000000"/>
                     </a:solidFill>
@@ -10078,7 +10083,7 @@
               </a:ln>
               <a:extLst>
                 <a:ext uri="{91240B29-F687-4f45-9708-019B960494DF}">
-                  <a14:hiddenLine xmlns:a14="http://schemas.microsoft.com/office/drawing/2010/main" xmlns="" w="9525">
+                  <a14:hiddenLine xmlns="" xmlns:a14="http://schemas.microsoft.com/office/drawing/2010/main" w="9525">
                     <a:solidFill>
                       <a:srgbClr val="000000"/>
                     </a:solidFill>
@@ -10168,7 +10173,7 @@
               </a:ln>
               <a:extLst>
                 <a:ext uri="{91240B29-F687-4f45-9708-019B960494DF}">
-                  <a14:hiddenLine xmlns:a14="http://schemas.microsoft.com/office/drawing/2010/main" xmlns="" w="9525">
+                  <a14:hiddenLine xmlns="" xmlns:a14="http://schemas.microsoft.com/office/drawing/2010/main" w="9525">
                     <a:solidFill>
                       <a:srgbClr val="000000"/>
                     </a:solidFill>
@@ -10202,7 +10207,7 @@
               </a:ln>
               <a:extLst>
                 <a:ext uri="{91240B29-F687-4f45-9708-019B960494DF}">
-                  <a14:hiddenLine xmlns:a14="http://schemas.microsoft.com/office/drawing/2010/main" xmlns="" w="9525">
+                  <a14:hiddenLine xmlns="" xmlns:a14="http://schemas.microsoft.com/office/drawing/2010/main" w="9525">
                     <a:solidFill>
                       <a:srgbClr val="000000"/>
                     </a:solidFill>
@@ -10267,7 +10272,7 @@
               </a:ln>
               <a:extLst>
                 <a:ext uri="{91240B29-F687-4f45-9708-019B960494DF}">
-                  <a14:hiddenLine xmlns:a14="http://schemas.microsoft.com/office/drawing/2010/main" xmlns="" w="9525">
+                  <a14:hiddenLine xmlns="" xmlns:a14="http://schemas.microsoft.com/office/drawing/2010/main" w="9525">
                     <a:solidFill>
                       <a:srgbClr val="000000"/>
                     </a:solidFill>
@@ -10357,7 +10362,7 @@
               </a:ln>
               <a:extLst>
                 <a:ext uri="{91240B29-F687-4f45-9708-019B960494DF}">
-                  <a14:hiddenLine xmlns:a14="http://schemas.microsoft.com/office/drawing/2010/main" xmlns="" w="9525">
+                  <a14:hiddenLine xmlns="" xmlns:a14="http://schemas.microsoft.com/office/drawing/2010/main" w="9525">
                     <a:solidFill>
                       <a:srgbClr val="000000"/>
                     </a:solidFill>
@@ -10419,7 +10424,7 @@
               </a:ln>
               <a:extLst>
                 <a:ext uri="{91240B29-F687-4f45-9708-019B960494DF}">
-                  <a14:hiddenLine xmlns:a14="http://schemas.microsoft.com/office/drawing/2010/main" xmlns="" w="9525">
+                  <a14:hiddenLine xmlns="" xmlns:a14="http://schemas.microsoft.com/office/drawing/2010/main" w="9525">
                     <a:solidFill>
                       <a:srgbClr val="000000"/>
                     </a:solidFill>
@@ -10509,7 +10514,7 @@
               </a:ln>
               <a:extLst>
                 <a:ext uri="{91240B29-F687-4f45-9708-019B960494DF}">
-                  <a14:hiddenLine xmlns:a14="http://schemas.microsoft.com/office/drawing/2010/main" xmlns="" w="9525">
+                  <a14:hiddenLine xmlns="" xmlns:a14="http://schemas.microsoft.com/office/drawing/2010/main" w="9525">
                     <a:solidFill>
                       <a:srgbClr val="000000"/>
                     </a:solidFill>
@@ -10574,7 +10579,7 @@
               </a:ln>
               <a:extLst>
                 <a:ext uri="{91240B29-F687-4f45-9708-019B960494DF}">
-                  <a14:hiddenLine xmlns:a14="http://schemas.microsoft.com/office/drawing/2010/main" xmlns="" w="9525">
+                  <a14:hiddenLine xmlns="" xmlns:a14="http://schemas.microsoft.com/office/drawing/2010/main" w="9525">
                     <a:solidFill>
                       <a:srgbClr val="000000"/>
                     </a:solidFill>
@@ -10636,7 +10641,7 @@
               </a:ln>
               <a:extLst>
                 <a:ext uri="{91240B29-F687-4f45-9708-019B960494DF}">
-                  <a14:hiddenLine xmlns:a14="http://schemas.microsoft.com/office/drawing/2010/main" xmlns="" w="9525">
+                  <a14:hiddenLine xmlns="" xmlns:a14="http://schemas.microsoft.com/office/drawing/2010/main" w="9525">
                     <a:solidFill>
                       <a:srgbClr val="000000"/>
                     </a:solidFill>
@@ -10726,7 +10731,7 @@
               </a:ln>
               <a:extLst>
                 <a:ext uri="{91240B29-F687-4f45-9708-019B960494DF}">
-                  <a14:hiddenLine xmlns:a14="http://schemas.microsoft.com/office/drawing/2010/main" xmlns="" w="9525">
+                  <a14:hiddenLine xmlns="" xmlns:a14="http://schemas.microsoft.com/office/drawing/2010/main" w="9525">
                     <a:solidFill>
                       <a:srgbClr val="000000"/>
                     </a:solidFill>
@@ -10816,7 +10821,7 @@
               </a:ln>
               <a:extLst>
                 <a:ext uri="{91240B29-F687-4f45-9708-019B960494DF}">
-                  <a14:hiddenLine xmlns:a14="http://schemas.microsoft.com/office/drawing/2010/main" xmlns="" w="9525">
+                  <a14:hiddenLine xmlns="" xmlns:a14="http://schemas.microsoft.com/office/drawing/2010/main" w="9525">
                     <a:solidFill>
                       <a:srgbClr val="000000"/>
                     </a:solidFill>
@@ -10881,7 +10886,7 @@
               </a:ln>
               <a:extLst>
                 <a:ext uri="{91240B29-F687-4f45-9708-019B960494DF}">
-                  <a14:hiddenLine xmlns:a14="http://schemas.microsoft.com/office/drawing/2010/main" xmlns="" w="9525">
+                  <a14:hiddenLine xmlns="" xmlns:a14="http://schemas.microsoft.com/office/drawing/2010/main" w="9525">
                     <a:solidFill>
                       <a:srgbClr val="000000"/>
                     </a:solidFill>
@@ -11001,7 +11006,7 @@
               </a:ln>
               <a:extLst>
                 <a:ext uri="{91240B29-F687-4f45-9708-019B960494DF}">
-                  <a14:hiddenLine xmlns:a14="http://schemas.microsoft.com/office/drawing/2010/main" xmlns="" w="9525">
+                  <a14:hiddenLine xmlns="" xmlns:a14="http://schemas.microsoft.com/office/drawing/2010/main" w="9525">
                     <a:solidFill>
                       <a:srgbClr val="000000"/>
                     </a:solidFill>
@@ -11099,7 +11104,7 @@
               </a:ln>
               <a:extLst>
                 <a:ext uri="{91240B29-F687-4f45-9708-019B960494DF}">
-                  <a14:hiddenLine xmlns:a14="http://schemas.microsoft.com/office/drawing/2010/main" xmlns="" w="9525">
+                  <a14:hiddenLine xmlns="" xmlns:a14="http://schemas.microsoft.com/office/drawing/2010/main" w="9525">
                     <a:solidFill>
                       <a:srgbClr val="000000"/>
                     </a:solidFill>
@@ -11214,7 +11219,7 @@
               </a:ln>
               <a:extLst>
                 <a:ext uri="{91240B29-F687-4f45-9708-019B960494DF}">
-                  <a14:hiddenLine xmlns:a14="http://schemas.microsoft.com/office/drawing/2010/main" xmlns="" w="9525">
+                  <a14:hiddenLine xmlns="" xmlns:a14="http://schemas.microsoft.com/office/drawing/2010/main" w="9525">
                     <a:solidFill>
                       <a:srgbClr val="000000"/>
                     </a:solidFill>
@@ -11304,7 +11309,7 @@
               </a:ln>
               <a:extLst>
                 <a:ext uri="{91240B29-F687-4f45-9708-019B960494DF}">
-                  <a14:hiddenLine xmlns:a14="http://schemas.microsoft.com/office/drawing/2010/main" xmlns="" w="9525">
+                  <a14:hiddenLine xmlns="" xmlns:a14="http://schemas.microsoft.com/office/drawing/2010/main" w="9525">
                     <a:solidFill>
                       <a:srgbClr val="000000"/>
                     </a:solidFill>
@@ -11369,7 +11374,7 @@
               </a:ln>
               <a:extLst>
                 <a:ext uri="{91240B29-F687-4f45-9708-019B960494DF}">
-                  <a14:hiddenLine xmlns:a14="http://schemas.microsoft.com/office/drawing/2010/main" xmlns="" w="9525">
+                  <a14:hiddenLine xmlns="" xmlns:a14="http://schemas.microsoft.com/office/drawing/2010/main" w="9525">
                     <a:solidFill>
                       <a:srgbClr val="000000"/>
                     </a:solidFill>
@@ -11459,7 +11464,7 @@
               </a:ln>
               <a:extLst>
                 <a:ext uri="{91240B29-F687-4f45-9708-019B960494DF}">
-                  <a14:hiddenLine xmlns:a14="http://schemas.microsoft.com/office/drawing/2010/main" xmlns="" w="9525">
+                  <a14:hiddenLine xmlns="" xmlns:a14="http://schemas.microsoft.com/office/drawing/2010/main" w="9525">
                     <a:solidFill>
                       <a:srgbClr val="000000"/>
                     </a:solidFill>
@@ -11527,7 +11532,7 @@
               </a:ln>
               <a:extLst>
                 <a:ext uri="{91240B29-F687-4f45-9708-019B960494DF}">
-                  <a14:hiddenLine xmlns:a14="http://schemas.microsoft.com/office/drawing/2010/main" xmlns="" w="9525">
+                  <a14:hiddenLine xmlns="" xmlns:a14="http://schemas.microsoft.com/office/drawing/2010/main" w="9525">
                     <a:solidFill>
                       <a:srgbClr val="000000"/>
                     </a:solidFill>
@@ -11617,7 +11622,7 @@
               </a:ln>
               <a:extLst>
                 <a:ext uri="{91240B29-F687-4f45-9708-019B960494DF}">
-                  <a14:hiddenLine xmlns:a14="http://schemas.microsoft.com/office/drawing/2010/main" xmlns="" w="9525">
+                  <a14:hiddenLine xmlns="" xmlns:a14="http://schemas.microsoft.com/office/drawing/2010/main" w="9525">
                     <a:solidFill>
                       <a:srgbClr val="000000"/>
                     </a:solidFill>
@@ -11685,7 +11690,7 @@
               </a:ln>
               <a:extLst>
                 <a:ext uri="{91240B29-F687-4f45-9708-019B960494DF}">
-                  <a14:hiddenLine xmlns:a14="http://schemas.microsoft.com/office/drawing/2010/main" xmlns="" w="9525">
+                  <a14:hiddenLine xmlns="" xmlns:a14="http://schemas.microsoft.com/office/drawing/2010/main" w="9525">
                     <a:solidFill>
                       <a:srgbClr val="000000"/>
                     </a:solidFill>
@@ -11775,7 +11780,7 @@
               </a:ln>
               <a:extLst>
                 <a:ext uri="{91240B29-F687-4f45-9708-019B960494DF}">
-                  <a14:hiddenLine xmlns:a14="http://schemas.microsoft.com/office/drawing/2010/main" xmlns="" w="9525">
+                  <a14:hiddenLine xmlns="" xmlns:a14="http://schemas.microsoft.com/office/drawing/2010/main" w="9525">
                     <a:solidFill>
                       <a:srgbClr val="000000"/>
                     </a:solidFill>
@@ -11809,7 +11814,7 @@
               </a:ln>
               <a:extLst>
                 <a:ext uri="{91240B29-F687-4f45-9708-019B960494DF}">
-                  <a14:hiddenLine xmlns:a14="http://schemas.microsoft.com/office/drawing/2010/main" xmlns="" w="9525">
+                  <a14:hiddenLine xmlns="" xmlns:a14="http://schemas.microsoft.com/office/drawing/2010/main" w="9525">
                     <a:solidFill>
                       <a:srgbClr val="000000"/>
                     </a:solidFill>
@@ -11950,7 +11955,7 @@
             <a:fld id="{48A87A34-81AB-432B-8DAE-1953F412C126}" type="datetimeFigureOut">
               <a:rPr lang="en-US" dirty="0"/>
               <a:pPr/>
-              <a:t>6/6/2023</a:t>
+              <a:t>6/7/2023</a:t>
             </a:fld>
             <a:endParaRPr lang="en-US" dirty="0"/>
           </a:p>
@@ -12633,6 +12638,134 @@
           <p:cNvPr id="2" name="Title 1">
             <a:extLst>
               <a:ext uri="{FF2B5EF4-FFF2-40B4-BE49-F238E27FC236}">
+                <a16:creationId xmlns:a16="http://schemas.microsoft.com/office/drawing/2014/main" id="{8B8886E6-DACF-DA06-5962-4330AC651EAA}"/>
+              </a:ext>
+            </a:extLst>
+          </p:cNvPr>
+          <p:cNvSpPr>
+            <a:spLocks noGrp="1"/>
+          </p:cNvSpPr>
+          <p:nvPr>
+            <p:ph type="title"/>
+          </p:nvPr>
+        </p:nvSpPr>
+        <p:spPr/>
+        <p:txBody>
+          <a:bodyPr/>
+          <a:lstStyle/>
+          <a:p>
+            <a:r>
+              <a:rPr lang="en-US" dirty="0"/>
+              <a:t>introduction</a:t>
+            </a:r>
+          </a:p>
+        </p:txBody>
+      </p:sp>
+      <p:sp>
+        <p:nvSpPr>
+          <p:cNvPr id="3" name="Content Placeholder 2">
+            <a:extLst>
+              <a:ext uri="{FF2B5EF4-FFF2-40B4-BE49-F238E27FC236}">
+                <a16:creationId xmlns:a16="http://schemas.microsoft.com/office/drawing/2014/main" id="{091974D7-72B7-2977-2FE8-8BC604C8BA79}"/>
+              </a:ext>
+            </a:extLst>
+          </p:cNvPr>
+          <p:cNvSpPr>
+            <a:spLocks noGrp="1"/>
+          </p:cNvSpPr>
+          <p:nvPr>
+            <p:ph idx="1"/>
+          </p:nvPr>
+        </p:nvSpPr>
+        <p:spPr>
+          <a:xfrm>
+            <a:off x="1141412" y="2249486"/>
+            <a:ext cx="10268710" cy="4429609"/>
+          </a:xfrm>
+        </p:spPr>
+        <p:txBody>
+          <a:bodyPr>
+            <a:normAutofit/>
+          </a:bodyPr>
+          <a:lstStyle/>
+          <a:p>
+            <a:pPr marL="0" indent="0">
+              <a:buNone/>
+            </a:pPr>
+            <a:r>
+              <a:rPr lang="en-US" b="0" dirty="0">
+                <a:solidFill>
+                  <a:srgbClr val="CCCCCC"/>
+                </a:solidFill>
+                <a:effectLst/>
+                <a:latin typeface="Consolas" panose="020B0609020204030204" pitchFamily="49" charset="0"/>
+              </a:rPr>
+              <a:t>Introducing our group member (Pratik ,Sunil ,Kritika , </a:t>
+            </a:r>
+            <a:r>
+              <a:rPr lang="en-US" b="0" dirty="0" err="1">
+                <a:solidFill>
+                  <a:srgbClr val="CCCCCC"/>
+                </a:solidFill>
+                <a:effectLst/>
+                <a:latin typeface="Consolas" panose="020B0609020204030204" pitchFamily="49" charset="0"/>
+              </a:rPr>
+              <a:t>Dikshya</a:t>
+            </a:r>
+            <a:r>
+              <a:rPr lang="en-US" b="0" dirty="0">
+                <a:solidFill>
+                  <a:srgbClr val="CCCCCC"/>
+                </a:solidFill>
+                <a:effectLst/>
+                <a:latin typeface="Consolas" panose="020B0609020204030204" pitchFamily="49" charset="0"/>
+              </a:rPr>
+              <a:t>  &amp; Pravin) we had been recently working on thrilling project centered around the development of a quiz a The project was assigned as part of our coursework, and our team, consisting of five dedicated members, collaborated to design, create, and implement this exciting application .The primary goal was to provide users with an engaging quiz experience while leveraging  functionalities of modern technology.</a:t>
+            </a:r>
+          </a:p>
+          <a:p>
+            <a:pPr marL="0" indent="0">
+              <a:buNone/>
+            </a:pPr>
+            <a:endParaRPr lang="en-US" dirty="0"/>
+          </a:p>
+        </p:txBody>
+      </p:sp>
+    </p:spTree>
+    <p:extLst>
+      <p:ext uri="{BB962C8B-B14F-4D97-AF65-F5344CB8AC3E}">
+        <p14:creationId xmlns:p14="http://schemas.microsoft.com/office/powerpoint/2010/main" val="23682295"/>
+      </p:ext>
+    </p:extLst>
+  </p:cSld>
+  <p:clrMapOvr>
+    <a:masterClrMapping/>
+  </p:clrMapOvr>
+</p:sld>
+</file>
+
+<file path=ppt/slides/slide4.xml><?xml version="1.0" encoding="utf-8"?>
+<p:sld xmlns:a="http://schemas.openxmlformats.org/drawingml/2006/main" xmlns:r="http://schemas.openxmlformats.org/officeDocument/2006/relationships" xmlns:p="http://schemas.openxmlformats.org/presentationml/2006/main">
+  <p:cSld>
+    <p:spTree>
+      <p:nvGrpSpPr>
+        <p:cNvPr id="1" name=""/>
+        <p:cNvGrpSpPr/>
+        <p:nvPr/>
+      </p:nvGrpSpPr>
+      <p:grpSpPr>
+        <a:xfrm>
+          <a:off x="0" y="0"/>
+          <a:ext cx="0" cy="0"/>
+          <a:chOff x="0" y="0"/>
+          <a:chExt cx="0" cy="0"/>
+        </a:xfrm>
+      </p:grpSpPr>
+      <p:sp>
+        <p:nvSpPr>
+          <p:cNvPr id="2" name="Title 1">
+            <a:extLst>
+              <a:ext uri="{FF2B5EF4-FFF2-40B4-BE49-F238E27FC236}">
                 <a16:creationId xmlns:a16="http://schemas.microsoft.com/office/drawing/2014/main" id="{D8682833-66D5-4A21-B5DD-25D9A533647E}"/>
               </a:ext>
             </a:extLst>
@@ -12694,7 +12827,7 @@
 </p:sld>
 </file>
 
-<file path=ppt/slides/slide4.xml><?xml version="1.0" encoding="utf-8"?>
+<file path=ppt/slides/slide5.xml><?xml version="1.0" encoding="utf-8"?>
 <p:sld xmlns:a="http://schemas.openxmlformats.org/drawingml/2006/main" xmlns:r="http://schemas.openxmlformats.org/officeDocument/2006/relationships" xmlns:p="http://schemas.openxmlformats.org/presentationml/2006/main">
   <p:cSld>
     <p:spTree>
@@ -12822,7 +12955,7 @@
 </p:sld>
 </file>
 
-<file path=ppt/slides/slide5.xml><?xml version="1.0" encoding="utf-8"?>
+<file path=ppt/slides/slide6.xml><?xml version="1.0" encoding="utf-8"?>
 <p:sld xmlns:a="http://schemas.openxmlformats.org/drawingml/2006/main" xmlns:r="http://schemas.openxmlformats.org/officeDocument/2006/relationships" xmlns:p="http://schemas.openxmlformats.org/presentationml/2006/main">
   <p:cSld>
     <p:spTree>
@@ -12890,7 +13023,7 @@
           <a:p>
             <a:r>
               <a:rPr lang="en-US" dirty="0"/>
-              <a:t>SHOULD KNOW BASIC KNOWLEDGE ABOUT HTML,CSS,PHP AND JAVASCRIPT</a:t>
+              <a:t>SHOULD KNOW BASIC KNOWLEDGE ABOUT HTML,CSS,PHP AND JAVASCRIPT,MYSQL</a:t>
             </a:r>
           </a:p>
           <a:p>
@@ -12911,7 +13044,7 @@
 </p:sld>
 </file>
 
-<file path=ppt/slides/slide6.xml><?xml version="1.0" encoding="utf-8"?>
+<file path=ppt/slides/slide7.xml><?xml version="1.0" encoding="utf-8"?>
 <p:sld xmlns:a="http://schemas.openxmlformats.org/drawingml/2006/main" xmlns:r="http://schemas.openxmlformats.org/officeDocument/2006/relationships" xmlns:p="http://schemas.openxmlformats.org/presentationml/2006/main">
   <p:cSld>
     <p:spTree>
@@ -13015,7 +13148,7 @@
 </p:sld>
 </file>
 
-<file path=ppt/slides/slide7.xml><?xml version="1.0" encoding="utf-8"?>
+<file path=ppt/slides/slide8.xml><?xml version="1.0" encoding="utf-8"?>
 <p:sld xmlns:a="http://schemas.openxmlformats.org/drawingml/2006/main" xmlns:r="http://schemas.openxmlformats.org/officeDocument/2006/relationships" xmlns:p="http://schemas.openxmlformats.org/presentationml/2006/main">
   <p:cSld>
     <p:spTree>
@@ -13037,7 +13170,7 @@
           <p:cNvPr id="2" name="Title 1">
             <a:extLst>
               <a:ext uri="{FF2B5EF4-FFF2-40B4-BE49-F238E27FC236}">
-                <a16:creationId xmlns:a16="http://schemas.microsoft.com/office/drawing/2014/main" id="{8B8886E6-DACF-DA06-5962-4330AC651EAA}"/>
+                <a16:creationId xmlns:a16="http://schemas.microsoft.com/office/drawing/2014/main" id="{029C8105-012C-BFB4-88C6-C83EED1BB12B}"/>
               </a:ext>
             </a:extLst>
           </p:cNvPr>
@@ -13062,7 +13195,7 @@
           <p:cNvPr id="3" name="Content Placeholder 2">
             <a:extLst>
               <a:ext uri="{FF2B5EF4-FFF2-40B4-BE49-F238E27FC236}">
-                <a16:creationId xmlns:a16="http://schemas.microsoft.com/office/drawing/2014/main" id="{091974D7-72B7-2977-2FE8-8BC604C8BA79}"/>
+                <a16:creationId xmlns:a16="http://schemas.microsoft.com/office/drawing/2014/main" id="{070A992C-116C-38F8-C32B-2DF178D5950C}"/>
               </a:ext>
             </a:extLst>
           </p:cNvPr>
@@ -13078,17 +13211,14 @@
           <a:bodyPr/>
           <a:lstStyle/>
           <a:p>
-            <a:pPr marL="0" indent="0">
-              <a:buNone/>
-            </a:pPr>
-            <a:endParaRPr lang="en-US" dirty="0"/>
+            <a:endParaRPr lang="en-US"/>
           </a:p>
         </p:txBody>
       </p:sp>
     </p:spTree>
     <p:extLst>
       <p:ext uri="{BB962C8B-B14F-4D97-AF65-F5344CB8AC3E}">
-        <p14:creationId xmlns:p14="http://schemas.microsoft.com/office/powerpoint/2010/main" val="23682295"/>
+        <p14:creationId xmlns:p14="http://schemas.microsoft.com/office/powerpoint/2010/main" val="293480451"/>
       </p:ext>
     </p:extLst>
   </p:cSld>
